--- a/covid19epidemiology data sctructure.pptx
+++ b/covid19epidemiology data sctructure.pptx
@@ -3104,9 +3104,9 @@
         <p:grpSpPr>
           <a:xfrm>
             <a:off x="591710" y="703888"/>
-            <a:ext cx="5877220" cy="3949248"/>
+            <a:ext cx="5877220" cy="4885352"/>
             <a:chOff x="2264700" y="1781200"/>
-            <a:chExt cx="5877220" cy="3949248"/>
+            <a:chExt cx="5877220" cy="4885352"/>
           </a:xfrm>
         </p:grpSpPr>
         <p:sp>
@@ -3118,7 +3118,7 @@
           <p:spPr>
             <a:xfrm>
               <a:off x="2264700" y="1781200"/>
-              <a:ext cx="5877220" cy="3949248"/>
+              <a:ext cx="5877220" cy="4885352"/>
             </a:xfrm>
             <a:prstGeom prst="roundRect">
               <a:avLst>
@@ -3323,9 +3323,9 @@
         <p:grpSpPr>
           <a:xfrm>
             <a:off x="2555776" y="1412776"/>
-            <a:ext cx="3816424" cy="3096344"/>
+            <a:ext cx="3816424" cy="4032448"/>
             <a:chOff x="2142780" y="1628800"/>
-            <a:chExt cx="3816424" cy="3096344"/>
+            <a:chExt cx="3816424" cy="4032448"/>
           </a:xfrm>
         </p:grpSpPr>
         <p:sp>
@@ -3337,10 +3337,12 @@
           <p:spPr>
             <a:xfrm>
               <a:off x="2142780" y="1628800"/>
-              <a:ext cx="3816424" cy="3096344"/>
+              <a:ext cx="3816424" cy="4032448"/>
             </a:xfrm>
             <a:prstGeom prst="roundRect">
-              <a:avLst/>
+              <a:avLst>
+                <a:gd name="adj" fmla="val 13672"/>
+              </a:avLst>
             </a:prstGeom>
             <a:solidFill>
               <a:schemeClr val="bg1"/>
@@ -4574,6 +4576,265 @@
           </p:txBody>
         </p:sp>
       </p:grpSp>
+      <p:grpSp>
+        <p:nvGrpSpPr>
+          <p:cNvPr id="73" name="Group 72"/>
+          <p:cNvGrpSpPr/>
+          <p:nvPr/>
+        </p:nvGrpSpPr>
+        <p:grpSpPr>
+          <a:xfrm>
+            <a:off x="4758943" y="4437112"/>
+            <a:ext cx="1485546" cy="852169"/>
+            <a:chOff x="3196736" y="3939938"/>
+            <a:chExt cx="2217777" cy="1419263"/>
+          </a:xfrm>
+        </p:grpSpPr>
+        <p:grpSp>
+          <p:nvGrpSpPr>
+            <p:cNvPr id="74" name="Group 73"/>
+            <p:cNvGrpSpPr/>
+            <p:nvPr/>
+          </p:nvGrpSpPr>
+          <p:grpSpPr>
+            <a:xfrm>
+              <a:off x="3196736" y="4019270"/>
+              <a:ext cx="2217777" cy="1339931"/>
+              <a:chOff x="1383344" y="2452275"/>
+              <a:chExt cx="2217777" cy="1339931"/>
+            </a:xfrm>
+          </p:grpSpPr>
+          <p:sp>
+            <p:nvSpPr>
+              <p:cNvPr id="76" name="TextBox 75"/>
+              <p:cNvSpPr txBox="1"/>
+              <p:nvPr/>
+            </p:nvSpPr>
+            <p:spPr>
+              <a:xfrm>
+                <a:off x="2746641" y="3181618"/>
+                <a:ext cx="854480" cy="369332"/>
+              </a:xfrm>
+              <a:prstGeom prst="rect">
+                <a:avLst/>
+              </a:prstGeom>
+              <a:noFill/>
+            </p:spPr>
+            <p:txBody>
+              <a:bodyPr wrap="square" rtlCol="0">
+                <a:spAutoFit/>
+              </a:bodyPr>
+              <a:lstStyle/>
+              <a:p>
+                <a:r>
+                  <a:rPr lang="en-GB" dirty="0" smtClean="0"/>
+                  <a:t>lib</a:t>
+                </a:r>
+                <a:endParaRPr lang="en-GB" dirty="0"/>
+              </a:p>
+            </p:txBody>
+          </p:sp>
+          <p:sp>
+            <p:nvSpPr>
+              <p:cNvPr id="77" name="Rounded Rectangle 76"/>
+              <p:cNvSpPr/>
+              <p:nvPr/>
+            </p:nvSpPr>
+            <p:spPr>
+              <a:xfrm>
+                <a:off x="1383344" y="2452275"/>
+                <a:ext cx="2173432" cy="1339931"/>
+              </a:xfrm>
+              <a:prstGeom prst="roundRect">
+                <a:avLst>
+                  <a:gd name="adj" fmla="val 40016"/>
+                </a:avLst>
+              </a:prstGeom>
+              <a:solidFill>
+                <a:schemeClr val="bg1"/>
+              </a:solidFill>
+            </p:spPr>
+            <p:style>
+              <a:lnRef idx="2">
+                <a:schemeClr val="accent1">
+                  <a:shade val="50000"/>
+                </a:schemeClr>
+              </a:lnRef>
+              <a:fillRef idx="1">
+                <a:schemeClr val="accent1"/>
+              </a:fillRef>
+              <a:effectRef idx="0">
+                <a:schemeClr val="accent1"/>
+              </a:effectRef>
+              <a:fontRef idx="minor">
+                <a:schemeClr val="lt1"/>
+              </a:fontRef>
+            </p:style>
+            <p:txBody>
+              <a:bodyPr rtlCol="0" anchor="ctr"/>
+              <a:lstStyle/>
+              <a:p>
+                <a:pPr algn="ctr"/>
+                <a:endParaRPr lang="en-GB" dirty="0">
+                  <a:solidFill>
+                    <a:schemeClr val="tx1"/>
+                  </a:solidFill>
+                </a:endParaRPr>
+              </a:p>
+            </p:txBody>
+          </p:sp>
+          <p:grpSp>
+            <p:nvGrpSpPr>
+              <p:cNvPr id="78" name="Group 77"/>
+              <p:cNvGrpSpPr/>
+              <p:nvPr/>
+            </p:nvGrpSpPr>
+            <p:grpSpPr>
+              <a:xfrm>
+                <a:off x="1435398" y="2516200"/>
+                <a:ext cx="2069486" cy="817818"/>
+                <a:chOff x="1168583" y="1688108"/>
+                <a:chExt cx="4680518" cy="817818"/>
+              </a:xfrm>
+            </p:grpSpPr>
+            <p:sp>
+              <p:nvSpPr>
+                <p:cNvPr id="79" name="Rounded Rectangle 78"/>
+                <p:cNvSpPr/>
+                <p:nvPr/>
+              </p:nvSpPr>
+              <p:spPr>
+                <a:xfrm>
+                  <a:off x="1168583" y="1688108"/>
+                  <a:ext cx="4651107" cy="817818"/>
+                </a:xfrm>
+                <a:prstGeom prst="roundRect">
+                  <a:avLst>
+                    <a:gd name="adj" fmla="val 50000"/>
+                  </a:avLst>
+                </a:prstGeom>
+                <a:solidFill>
+                  <a:schemeClr val="accent3">
+                    <a:lumMod val="40000"/>
+                    <a:lumOff val="60000"/>
+                  </a:schemeClr>
+                </a:solidFill>
+                <a:ln>
+                  <a:solidFill>
+                    <a:schemeClr val="bg1"/>
+                  </a:solidFill>
+                </a:ln>
+              </p:spPr>
+              <p:style>
+                <a:lnRef idx="2">
+                  <a:schemeClr val="accent1">
+                    <a:shade val="50000"/>
+                  </a:schemeClr>
+                </a:lnRef>
+                <a:fillRef idx="1">
+                  <a:schemeClr val="accent1"/>
+                </a:fillRef>
+                <a:effectRef idx="0">
+                  <a:schemeClr val="accent1"/>
+                </a:effectRef>
+                <a:fontRef idx="minor">
+                  <a:schemeClr val="lt1"/>
+                </a:fontRef>
+              </p:style>
+              <p:txBody>
+                <a:bodyPr rtlCol="0" anchor="ctr"/>
+                <a:lstStyle/>
+                <a:p>
+                  <a:pPr algn="ctr"/>
+                  <a:endParaRPr lang="en-GB" dirty="0">
+                    <a:solidFill>
+                      <a:schemeClr val="tx1"/>
+                    </a:solidFill>
+                  </a:endParaRPr>
+                </a:p>
+              </p:txBody>
+            </p:sp>
+            <p:sp>
+              <p:nvSpPr>
+                <p:cNvPr id="80" name="Rectangle 79"/>
+                <p:cNvSpPr/>
+                <p:nvPr/>
+              </p:nvSpPr>
+              <p:spPr>
+                <a:xfrm>
+                  <a:off x="1168585" y="2070140"/>
+                  <a:ext cx="4680516" cy="435786"/>
+                </a:xfrm>
+                <a:prstGeom prst="rect">
+                  <a:avLst/>
+                </a:prstGeom>
+                <a:solidFill>
+                  <a:schemeClr val="bg1"/>
+                </a:solidFill>
+                <a:ln>
+                  <a:solidFill>
+                    <a:schemeClr val="bg1"/>
+                  </a:solidFill>
+                </a:ln>
+              </p:spPr>
+              <p:style>
+                <a:lnRef idx="2">
+                  <a:schemeClr val="accent1">
+                    <a:shade val="50000"/>
+                  </a:schemeClr>
+                </a:lnRef>
+                <a:fillRef idx="1">
+                  <a:schemeClr val="accent1"/>
+                </a:fillRef>
+                <a:effectRef idx="0">
+                  <a:schemeClr val="accent1"/>
+                </a:effectRef>
+                <a:fontRef idx="minor">
+                  <a:schemeClr val="lt1"/>
+                </a:fontRef>
+              </p:style>
+              <p:txBody>
+                <a:bodyPr rtlCol="0" anchor="ctr"/>
+                <a:lstStyle/>
+                <a:p>
+                  <a:pPr algn="ctr"/>
+                  <a:endParaRPr lang="en-GB"/>
+                </a:p>
+              </p:txBody>
+            </p:sp>
+          </p:grpSp>
+        </p:grpSp>
+        <p:sp>
+          <p:nvSpPr>
+            <p:cNvPr id="75" name="TextBox 74"/>
+            <p:cNvSpPr txBox="1"/>
+            <p:nvPr/>
+          </p:nvSpPr>
+          <p:spPr>
+            <a:xfrm>
+              <a:off x="3383838" y="3939938"/>
+              <a:ext cx="1439930" cy="615112"/>
+            </a:xfrm>
+            <a:prstGeom prst="rect">
+              <a:avLst/>
+            </a:prstGeom>
+            <a:noFill/>
+          </p:spPr>
+          <p:txBody>
+            <a:bodyPr wrap="square" rtlCol="0">
+              <a:spAutoFit/>
+            </a:bodyPr>
+            <a:lstStyle/>
+            <a:p>
+              <a:r>
+                <a:rPr lang="en-GB" dirty="0" smtClean="0"/>
+                <a:t>outputs</a:t>
+              </a:r>
+              <a:endParaRPr lang="en-GB" dirty="0"/>
+            </a:p>
+          </p:txBody>
+        </p:sp>
+      </p:grpSp>
     </p:spTree>
     <p:extLst>
       <p:ext uri="{BB962C8B-B14F-4D97-AF65-F5344CB8AC3E}">
